--- a/PPTs/300-最长递增子序列.pptx
+++ b/PPTs/300-最长递增子序列.pptx
@@ -5,11 +5,11 @@
     <p:sldMasterId id="2147483648" r:id="rId1"/>
   </p:sldMasterIdLst>
   <p:sldIdLst>
-    <p:sldId id="256" r:id="rId2"/>
-    <p:sldId id="257" r:id="rId3"/>
-    <p:sldId id="260" r:id="rId4"/>
-    <p:sldId id="258" r:id="rId5"/>
-    <p:sldId id="259" r:id="rId6"/>
+    <p:sldId id="256" r:id="rId3"/>
+    <p:sldId id="257" r:id="rId4"/>
+    <p:sldId id="260" r:id="rId5"/>
+    <p:sldId id="258" r:id="rId6"/>
+    <p:sldId id="259" r:id="rId7"/>
   </p:sldIdLst>
   <p:sldSz cx="12192000" cy="6858000"/>
   <p:notesSz cx="6858000" cy="9144000"/>
@@ -108,11 +108,6 @@
       </a:defRPr>
     </a:lvl9pPr>
   </p:defaultTextStyle>
-  <p:extLst>
-    <p:ext uri="{EFAFB233-063F-42B5-8137-9DF3F51BA10A}">
-      <p15:sldGuideLst xmlns:p15="http://schemas.microsoft.com/office/powerpoint/2012/main"/>
-    </p:ext>
-  </p:extLst>
 </p:presentation>
 </file>
 
@@ -161,6 +156,7 @@
               <a:rPr lang="zh-CN" altLang="en-US"/>
               <a:t>单击此处编辑母版标题样式</a:t>
             </a:r>
+            <a:endParaRPr lang="zh-CN" altLang="en-US"/>
           </a:p>
         </p:txBody>
       </p:sp>
@@ -225,6 +221,7 @@
               <a:rPr lang="zh-CN" altLang="en-US"/>
               <a:t>单击此处编辑母版副标题样式</a:t>
             </a:r>
+            <a:endParaRPr lang="zh-CN" altLang="en-US"/>
           </a:p>
         </p:txBody>
       </p:sp>
@@ -245,7 +242,6 @@
           <a:p>
             <a:fld id="{D997B5FA-0921-464F-AAE1-844C04324D75}" type="datetimeFigureOut">
               <a:rPr lang="zh-CN" altLang="en-US" smtClean="0"/>
-              <a:t>2020/12/25</a:t>
             </a:fld>
             <a:endParaRPr lang="zh-CN" altLang="en-US"/>
           </a:p>
@@ -287,7 +283,6 @@
           <a:p>
             <a:fld id="{565CE74E-AB26-4998-AD42-012C4C1AD076}" type="slidenum">
               <a:rPr lang="zh-CN" altLang="en-US" smtClean="0"/>
-              <a:t>‹#›</a:t>
             </a:fld>
             <a:endParaRPr lang="zh-CN" altLang="en-US"/>
           </a:p>
@@ -337,6 +332,7 @@
               <a:rPr lang="zh-CN" altLang="en-US"/>
               <a:t>单击此处编辑母版标题样式</a:t>
             </a:r>
+            <a:endParaRPr lang="zh-CN" altLang="en-US"/>
           </a:p>
         </p:txBody>
       </p:sp>
@@ -360,6 +356,7 @@
               <a:rPr lang="zh-CN" altLang="en-US"/>
               <a:t>单击此处编辑母版文本样式</a:t>
             </a:r>
+            <a:endParaRPr lang="zh-CN" altLang="en-US"/>
           </a:p>
           <a:p>
             <a:pPr lvl="1"/>
@@ -367,6 +364,7 @@
               <a:rPr lang="zh-CN" altLang="en-US"/>
               <a:t>第二级</a:t>
             </a:r>
+            <a:endParaRPr lang="zh-CN" altLang="en-US"/>
           </a:p>
           <a:p>
             <a:pPr lvl="2"/>
@@ -374,6 +372,7 @@
               <a:rPr lang="zh-CN" altLang="en-US"/>
               <a:t>第三级</a:t>
             </a:r>
+            <a:endParaRPr lang="zh-CN" altLang="en-US"/>
           </a:p>
           <a:p>
             <a:pPr lvl="3"/>
@@ -381,6 +380,7 @@
               <a:rPr lang="zh-CN" altLang="en-US"/>
               <a:t>第四级</a:t>
             </a:r>
+            <a:endParaRPr lang="zh-CN" altLang="en-US"/>
           </a:p>
           <a:p>
             <a:pPr lvl="4"/>
@@ -388,6 +388,7 @@
               <a:rPr lang="zh-CN" altLang="en-US"/>
               <a:t>第五级</a:t>
             </a:r>
+            <a:endParaRPr lang="zh-CN" altLang="en-US"/>
           </a:p>
         </p:txBody>
       </p:sp>
@@ -408,7 +409,6 @@
           <a:p>
             <a:fld id="{D997B5FA-0921-464F-AAE1-844C04324D75}" type="datetimeFigureOut">
               <a:rPr lang="zh-CN" altLang="en-US" smtClean="0"/>
-              <a:t>2020/12/25</a:t>
             </a:fld>
             <a:endParaRPr lang="zh-CN" altLang="en-US"/>
           </a:p>
@@ -450,7 +450,6 @@
           <a:p>
             <a:fld id="{565CE74E-AB26-4998-AD42-012C4C1AD076}" type="slidenum">
               <a:rPr lang="zh-CN" altLang="en-US" smtClean="0"/>
-              <a:t>‹#›</a:t>
             </a:fld>
             <a:endParaRPr lang="zh-CN" altLang="en-US"/>
           </a:p>
@@ -505,6 +504,7 @@
               <a:rPr lang="zh-CN" altLang="en-US"/>
               <a:t>单击此处编辑母版标题样式</a:t>
             </a:r>
+            <a:endParaRPr lang="zh-CN" altLang="en-US"/>
           </a:p>
         </p:txBody>
       </p:sp>
@@ -533,6 +533,7 @@
               <a:rPr lang="zh-CN" altLang="en-US"/>
               <a:t>单击此处编辑母版文本样式</a:t>
             </a:r>
+            <a:endParaRPr lang="zh-CN" altLang="en-US"/>
           </a:p>
           <a:p>
             <a:pPr lvl="1"/>
@@ -540,6 +541,7 @@
               <a:rPr lang="zh-CN" altLang="en-US"/>
               <a:t>第二级</a:t>
             </a:r>
+            <a:endParaRPr lang="zh-CN" altLang="en-US"/>
           </a:p>
           <a:p>
             <a:pPr lvl="2"/>
@@ -547,6 +549,7 @@
               <a:rPr lang="zh-CN" altLang="en-US"/>
               <a:t>第三级</a:t>
             </a:r>
+            <a:endParaRPr lang="zh-CN" altLang="en-US"/>
           </a:p>
           <a:p>
             <a:pPr lvl="3"/>
@@ -554,6 +557,7 @@
               <a:rPr lang="zh-CN" altLang="en-US"/>
               <a:t>第四级</a:t>
             </a:r>
+            <a:endParaRPr lang="zh-CN" altLang="en-US"/>
           </a:p>
           <a:p>
             <a:pPr lvl="4"/>
@@ -561,6 +565,7 @@
               <a:rPr lang="zh-CN" altLang="en-US"/>
               <a:t>第五级</a:t>
             </a:r>
+            <a:endParaRPr lang="zh-CN" altLang="en-US"/>
           </a:p>
         </p:txBody>
       </p:sp>
@@ -581,7 +586,6 @@
           <a:p>
             <a:fld id="{D997B5FA-0921-464F-AAE1-844C04324D75}" type="datetimeFigureOut">
               <a:rPr lang="zh-CN" altLang="en-US" smtClean="0"/>
-              <a:t>2020/12/25</a:t>
             </a:fld>
             <a:endParaRPr lang="zh-CN" altLang="en-US"/>
           </a:p>
@@ -623,7 +627,6 @@
           <a:p>
             <a:fld id="{565CE74E-AB26-4998-AD42-012C4C1AD076}" type="slidenum">
               <a:rPr lang="zh-CN" altLang="en-US" smtClean="0"/>
-              <a:t>‹#›</a:t>
             </a:fld>
             <a:endParaRPr lang="zh-CN" altLang="en-US"/>
           </a:p>
@@ -673,6 +676,7 @@
               <a:rPr lang="zh-CN" altLang="en-US"/>
               <a:t>单击此处编辑母版标题样式</a:t>
             </a:r>
+            <a:endParaRPr lang="zh-CN" altLang="en-US"/>
           </a:p>
         </p:txBody>
       </p:sp>
@@ -696,6 +700,7 @@
               <a:rPr lang="zh-CN" altLang="en-US"/>
               <a:t>单击此处编辑母版文本样式</a:t>
             </a:r>
+            <a:endParaRPr lang="zh-CN" altLang="en-US"/>
           </a:p>
           <a:p>
             <a:pPr lvl="1"/>
@@ -703,6 +708,7 @@
               <a:rPr lang="zh-CN" altLang="en-US"/>
               <a:t>第二级</a:t>
             </a:r>
+            <a:endParaRPr lang="zh-CN" altLang="en-US"/>
           </a:p>
           <a:p>
             <a:pPr lvl="2"/>
@@ -710,6 +716,7 @@
               <a:rPr lang="zh-CN" altLang="en-US"/>
               <a:t>第三级</a:t>
             </a:r>
+            <a:endParaRPr lang="zh-CN" altLang="en-US"/>
           </a:p>
           <a:p>
             <a:pPr lvl="3"/>
@@ -717,6 +724,7 @@
               <a:rPr lang="zh-CN" altLang="en-US"/>
               <a:t>第四级</a:t>
             </a:r>
+            <a:endParaRPr lang="zh-CN" altLang="en-US"/>
           </a:p>
           <a:p>
             <a:pPr lvl="4"/>
@@ -724,6 +732,7 @@
               <a:rPr lang="zh-CN" altLang="en-US"/>
               <a:t>第五级</a:t>
             </a:r>
+            <a:endParaRPr lang="zh-CN" altLang="en-US"/>
           </a:p>
         </p:txBody>
       </p:sp>
@@ -744,7 +753,6 @@
           <a:p>
             <a:fld id="{D997B5FA-0921-464F-AAE1-844C04324D75}" type="datetimeFigureOut">
               <a:rPr lang="zh-CN" altLang="en-US" smtClean="0"/>
-              <a:t>2020/12/25</a:t>
             </a:fld>
             <a:endParaRPr lang="zh-CN" altLang="en-US"/>
           </a:p>
@@ -786,7 +794,6 @@
           <a:p>
             <a:fld id="{565CE74E-AB26-4998-AD42-012C4C1AD076}" type="slidenum">
               <a:rPr lang="zh-CN" altLang="en-US" smtClean="0"/>
-              <a:t>‹#›</a:t>
             </a:fld>
             <a:endParaRPr lang="zh-CN" altLang="en-US"/>
           </a:p>
@@ -845,6 +852,7 @@
               <a:rPr lang="zh-CN" altLang="en-US"/>
               <a:t>单击此处编辑母版标题样式</a:t>
             </a:r>
+            <a:endParaRPr lang="zh-CN" altLang="en-US"/>
           </a:p>
         </p:txBody>
       </p:sp>
@@ -964,6 +972,7 @@
               <a:rPr lang="zh-CN" altLang="en-US"/>
               <a:t>单击此处编辑母版文本样式</a:t>
             </a:r>
+            <a:endParaRPr lang="zh-CN" altLang="en-US"/>
           </a:p>
         </p:txBody>
       </p:sp>
@@ -984,7 +993,6 @@
           <a:p>
             <a:fld id="{D997B5FA-0921-464F-AAE1-844C04324D75}" type="datetimeFigureOut">
               <a:rPr lang="zh-CN" altLang="en-US" smtClean="0"/>
-              <a:t>2020/12/25</a:t>
             </a:fld>
             <a:endParaRPr lang="zh-CN" altLang="en-US"/>
           </a:p>
@@ -1026,7 +1034,6 @@
           <a:p>
             <a:fld id="{565CE74E-AB26-4998-AD42-012C4C1AD076}" type="slidenum">
               <a:rPr lang="zh-CN" altLang="en-US" smtClean="0"/>
-              <a:t>‹#›</a:t>
             </a:fld>
             <a:endParaRPr lang="zh-CN" altLang="en-US"/>
           </a:p>
@@ -1076,6 +1083,7 @@
               <a:rPr lang="zh-CN" altLang="en-US"/>
               <a:t>单击此处编辑母版标题样式</a:t>
             </a:r>
+            <a:endParaRPr lang="zh-CN" altLang="en-US"/>
           </a:p>
         </p:txBody>
       </p:sp>
@@ -1104,6 +1112,7 @@
               <a:rPr lang="zh-CN" altLang="en-US"/>
               <a:t>单击此处编辑母版文本样式</a:t>
             </a:r>
+            <a:endParaRPr lang="zh-CN" altLang="en-US"/>
           </a:p>
           <a:p>
             <a:pPr lvl="1"/>
@@ -1111,6 +1120,7 @@
               <a:rPr lang="zh-CN" altLang="en-US"/>
               <a:t>第二级</a:t>
             </a:r>
+            <a:endParaRPr lang="zh-CN" altLang="en-US"/>
           </a:p>
           <a:p>
             <a:pPr lvl="2"/>
@@ -1118,6 +1128,7 @@
               <a:rPr lang="zh-CN" altLang="en-US"/>
               <a:t>第三级</a:t>
             </a:r>
+            <a:endParaRPr lang="zh-CN" altLang="en-US"/>
           </a:p>
           <a:p>
             <a:pPr lvl="3"/>
@@ -1125,6 +1136,7 @@
               <a:rPr lang="zh-CN" altLang="en-US"/>
               <a:t>第四级</a:t>
             </a:r>
+            <a:endParaRPr lang="zh-CN" altLang="en-US"/>
           </a:p>
           <a:p>
             <a:pPr lvl="4"/>
@@ -1132,6 +1144,7 @@
               <a:rPr lang="zh-CN" altLang="en-US"/>
               <a:t>第五级</a:t>
             </a:r>
+            <a:endParaRPr lang="zh-CN" altLang="en-US"/>
           </a:p>
         </p:txBody>
       </p:sp>
@@ -1160,6 +1173,7 @@
               <a:rPr lang="zh-CN" altLang="en-US"/>
               <a:t>单击此处编辑母版文本样式</a:t>
             </a:r>
+            <a:endParaRPr lang="zh-CN" altLang="en-US"/>
           </a:p>
           <a:p>
             <a:pPr lvl="1"/>
@@ -1167,6 +1181,7 @@
               <a:rPr lang="zh-CN" altLang="en-US"/>
               <a:t>第二级</a:t>
             </a:r>
+            <a:endParaRPr lang="zh-CN" altLang="en-US"/>
           </a:p>
           <a:p>
             <a:pPr lvl="2"/>
@@ -1174,6 +1189,7 @@
               <a:rPr lang="zh-CN" altLang="en-US"/>
               <a:t>第三级</a:t>
             </a:r>
+            <a:endParaRPr lang="zh-CN" altLang="en-US"/>
           </a:p>
           <a:p>
             <a:pPr lvl="3"/>
@@ -1181,6 +1197,7 @@
               <a:rPr lang="zh-CN" altLang="en-US"/>
               <a:t>第四级</a:t>
             </a:r>
+            <a:endParaRPr lang="zh-CN" altLang="en-US"/>
           </a:p>
           <a:p>
             <a:pPr lvl="4"/>
@@ -1188,6 +1205,7 @@
               <a:rPr lang="zh-CN" altLang="en-US"/>
               <a:t>第五级</a:t>
             </a:r>
+            <a:endParaRPr lang="zh-CN" altLang="en-US"/>
           </a:p>
         </p:txBody>
       </p:sp>
@@ -1208,7 +1226,6 @@
           <a:p>
             <a:fld id="{D997B5FA-0921-464F-AAE1-844C04324D75}" type="datetimeFigureOut">
               <a:rPr lang="zh-CN" altLang="en-US" smtClean="0"/>
-              <a:t>2020/12/25</a:t>
             </a:fld>
             <a:endParaRPr lang="zh-CN" altLang="en-US"/>
           </a:p>
@@ -1250,7 +1267,6 @@
           <a:p>
             <a:fld id="{565CE74E-AB26-4998-AD42-012C4C1AD076}" type="slidenum">
               <a:rPr lang="zh-CN" altLang="en-US" smtClean="0"/>
-              <a:t>‹#›</a:t>
             </a:fld>
             <a:endParaRPr lang="zh-CN" altLang="en-US"/>
           </a:p>
@@ -1305,6 +1321,7 @@
               <a:rPr lang="zh-CN" altLang="en-US"/>
               <a:t>单击此处编辑母版标题样式</a:t>
             </a:r>
+            <a:endParaRPr lang="zh-CN" altLang="en-US"/>
           </a:p>
         </p:txBody>
       </p:sp>
@@ -1370,6 +1387,7 @@
               <a:rPr lang="zh-CN" altLang="en-US"/>
               <a:t>单击此处编辑母版文本样式</a:t>
             </a:r>
+            <a:endParaRPr lang="zh-CN" altLang="en-US"/>
           </a:p>
         </p:txBody>
       </p:sp>
@@ -1398,6 +1416,7 @@
               <a:rPr lang="zh-CN" altLang="en-US"/>
               <a:t>单击此处编辑母版文本样式</a:t>
             </a:r>
+            <a:endParaRPr lang="zh-CN" altLang="en-US"/>
           </a:p>
           <a:p>
             <a:pPr lvl="1"/>
@@ -1405,6 +1424,7 @@
               <a:rPr lang="zh-CN" altLang="en-US"/>
               <a:t>第二级</a:t>
             </a:r>
+            <a:endParaRPr lang="zh-CN" altLang="en-US"/>
           </a:p>
           <a:p>
             <a:pPr lvl="2"/>
@@ -1412,6 +1432,7 @@
               <a:rPr lang="zh-CN" altLang="en-US"/>
               <a:t>第三级</a:t>
             </a:r>
+            <a:endParaRPr lang="zh-CN" altLang="en-US"/>
           </a:p>
           <a:p>
             <a:pPr lvl="3"/>
@@ -1419,6 +1440,7 @@
               <a:rPr lang="zh-CN" altLang="en-US"/>
               <a:t>第四级</a:t>
             </a:r>
+            <a:endParaRPr lang="zh-CN" altLang="en-US"/>
           </a:p>
           <a:p>
             <a:pPr lvl="4"/>
@@ -1426,6 +1448,7 @@
               <a:rPr lang="zh-CN" altLang="en-US"/>
               <a:t>第五级</a:t>
             </a:r>
+            <a:endParaRPr lang="zh-CN" altLang="en-US"/>
           </a:p>
         </p:txBody>
       </p:sp>
@@ -1491,6 +1514,7 @@
               <a:rPr lang="zh-CN" altLang="en-US"/>
               <a:t>单击此处编辑母版文本样式</a:t>
             </a:r>
+            <a:endParaRPr lang="zh-CN" altLang="en-US"/>
           </a:p>
         </p:txBody>
       </p:sp>
@@ -1519,6 +1543,7 @@
               <a:rPr lang="zh-CN" altLang="en-US"/>
               <a:t>单击此处编辑母版文本样式</a:t>
             </a:r>
+            <a:endParaRPr lang="zh-CN" altLang="en-US"/>
           </a:p>
           <a:p>
             <a:pPr lvl="1"/>
@@ -1526,6 +1551,7 @@
               <a:rPr lang="zh-CN" altLang="en-US"/>
               <a:t>第二级</a:t>
             </a:r>
+            <a:endParaRPr lang="zh-CN" altLang="en-US"/>
           </a:p>
           <a:p>
             <a:pPr lvl="2"/>
@@ -1533,6 +1559,7 @@
               <a:rPr lang="zh-CN" altLang="en-US"/>
               <a:t>第三级</a:t>
             </a:r>
+            <a:endParaRPr lang="zh-CN" altLang="en-US"/>
           </a:p>
           <a:p>
             <a:pPr lvl="3"/>
@@ -1540,6 +1567,7 @@
               <a:rPr lang="zh-CN" altLang="en-US"/>
               <a:t>第四级</a:t>
             </a:r>
+            <a:endParaRPr lang="zh-CN" altLang="en-US"/>
           </a:p>
           <a:p>
             <a:pPr lvl="4"/>
@@ -1547,6 +1575,7 @@
               <a:rPr lang="zh-CN" altLang="en-US"/>
               <a:t>第五级</a:t>
             </a:r>
+            <a:endParaRPr lang="zh-CN" altLang="en-US"/>
           </a:p>
         </p:txBody>
       </p:sp>
@@ -1567,7 +1596,6 @@
           <a:p>
             <a:fld id="{D997B5FA-0921-464F-AAE1-844C04324D75}" type="datetimeFigureOut">
               <a:rPr lang="zh-CN" altLang="en-US" smtClean="0"/>
-              <a:t>2020/12/25</a:t>
             </a:fld>
             <a:endParaRPr lang="zh-CN" altLang="en-US"/>
           </a:p>
@@ -1609,7 +1637,6 @@
           <a:p>
             <a:fld id="{565CE74E-AB26-4998-AD42-012C4C1AD076}" type="slidenum">
               <a:rPr lang="zh-CN" altLang="en-US" smtClean="0"/>
-              <a:t>‹#›</a:t>
             </a:fld>
             <a:endParaRPr lang="zh-CN" altLang="en-US"/>
           </a:p>
@@ -1659,6 +1686,7 @@
               <a:rPr lang="zh-CN" altLang="en-US"/>
               <a:t>单击此处编辑母版标题样式</a:t>
             </a:r>
+            <a:endParaRPr lang="zh-CN" altLang="en-US"/>
           </a:p>
         </p:txBody>
       </p:sp>
@@ -1679,7 +1707,6 @@
           <a:p>
             <a:fld id="{D997B5FA-0921-464F-AAE1-844C04324D75}" type="datetimeFigureOut">
               <a:rPr lang="zh-CN" altLang="en-US" smtClean="0"/>
-              <a:t>2020/12/25</a:t>
             </a:fld>
             <a:endParaRPr lang="zh-CN" altLang="en-US"/>
           </a:p>
@@ -1721,7 +1748,6 @@
           <a:p>
             <a:fld id="{565CE74E-AB26-4998-AD42-012C4C1AD076}" type="slidenum">
               <a:rPr lang="zh-CN" altLang="en-US" smtClean="0"/>
-              <a:t>‹#›</a:t>
             </a:fld>
             <a:endParaRPr lang="zh-CN" altLang="en-US"/>
           </a:p>
@@ -1769,7 +1795,6 @@
           <a:p>
             <a:fld id="{D997B5FA-0921-464F-AAE1-844C04324D75}" type="datetimeFigureOut">
               <a:rPr lang="zh-CN" altLang="en-US" smtClean="0"/>
-              <a:t>2020/12/25</a:t>
             </a:fld>
             <a:endParaRPr lang="zh-CN" altLang="en-US"/>
           </a:p>
@@ -1811,7 +1836,6 @@
           <a:p>
             <a:fld id="{565CE74E-AB26-4998-AD42-012C4C1AD076}" type="slidenum">
               <a:rPr lang="zh-CN" altLang="en-US" smtClean="0"/>
-              <a:t>‹#›</a:t>
             </a:fld>
             <a:endParaRPr lang="zh-CN" altLang="en-US"/>
           </a:p>
@@ -1870,6 +1894,7 @@
               <a:rPr lang="zh-CN" altLang="en-US"/>
               <a:t>单击此处编辑母版标题样式</a:t>
             </a:r>
+            <a:endParaRPr lang="zh-CN" altLang="en-US"/>
           </a:p>
         </p:txBody>
       </p:sp>
@@ -1926,6 +1951,7 @@
               <a:rPr lang="zh-CN" altLang="en-US"/>
               <a:t>单击此处编辑母版文本样式</a:t>
             </a:r>
+            <a:endParaRPr lang="zh-CN" altLang="en-US"/>
           </a:p>
           <a:p>
             <a:pPr lvl="1"/>
@@ -1933,6 +1959,7 @@
               <a:rPr lang="zh-CN" altLang="en-US"/>
               <a:t>第二级</a:t>
             </a:r>
+            <a:endParaRPr lang="zh-CN" altLang="en-US"/>
           </a:p>
           <a:p>
             <a:pPr lvl="2"/>
@@ -1940,6 +1967,7 @@
               <a:rPr lang="zh-CN" altLang="en-US"/>
               <a:t>第三级</a:t>
             </a:r>
+            <a:endParaRPr lang="zh-CN" altLang="en-US"/>
           </a:p>
           <a:p>
             <a:pPr lvl="3"/>
@@ -1947,6 +1975,7 @@
               <a:rPr lang="zh-CN" altLang="en-US"/>
               <a:t>第四级</a:t>
             </a:r>
+            <a:endParaRPr lang="zh-CN" altLang="en-US"/>
           </a:p>
           <a:p>
             <a:pPr lvl="4"/>
@@ -1954,6 +1983,7 @@
               <a:rPr lang="zh-CN" altLang="en-US"/>
               <a:t>第五级</a:t>
             </a:r>
+            <a:endParaRPr lang="zh-CN" altLang="en-US"/>
           </a:p>
         </p:txBody>
       </p:sp>
@@ -2019,6 +2049,7 @@
               <a:rPr lang="zh-CN" altLang="en-US"/>
               <a:t>单击此处编辑母版文本样式</a:t>
             </a:r>
+            <a:endParaRPr lang="zh-CN" altLang="en-US"/>
           </a:p>
         </p:txBody>
       </p:sp>
@@ -2039,7 +2070,6 @@
           <a:p>
             <a:fld id="{D997B5FA-0921-464F-AAE1-844C04324D75}" type="datetimeFigureOut">
               <a:rPr lang="zh-CN" altLang="en-US" smtClean="0"/>
-              <a:t>2020/12/25</a:t>
             </a:fld>
             <a:endParaRPr lang="zh-CN" altLang="en-US"/>
           </a:p>
@@ -2081,7 +2111,6 @@
           <a:p>
             <a:fld id="{565CE74E-AB26-4998-AD42-012C4C1AD076}" type="slidenum">
               <a:rPr lang="zh-CN" altLang="en-US" smtClean="0"/>
-              <a:t>‹#›</a:t>
             </a:fld>
             <a:endParaRPr lang="zh-CN" altLang="en-US"/>
           </a:p>
@@ -2140,6 +2169,7 @@
               <a:rPr lang="zh-CN" altLang="en-US"/>
               <a:t>单击此处编辑母版标题样式</a:t>
             </a:r>
+            <a:endParaRPr lang="zh-CN" altLang="en-US"/>
           </a:p>
         </p:txBody>
       </p:sp>
@@ -2266,6 +2296,7 @@
               <a:rPr lang="zh-CN" altLang="en-US"/>
               <a:t>单击此处编辑母版文本样式</a:t>
             </a:r>
+            <a:endParaRPr lang="zh-CN" altLang="en-US"/>
           </a:p>
         </p:txBody>
       </p:sp>
@@ -2286,7 +2317,6 @@
           <a:p>
             <a:fld id="{D997B5FA-0921-464F-AAE1-844C04324D75}" type="datetimeFigureOut">
               <a:rPr lang="zh-CN" altLang="en-US" smtClean="0"/>
-              <a:t>2020/12/25</a:t>
             </a:fld>
             <a:endParaRPr lang="zh-CN" altLang="en-US"/>
           </a:p>
@@ -2328,7 +2358,6 @@
           <a:p>
             <a:fld id="{565CE74E-AB26-4998-AD42-012C4C1AD076}" type="slidenum">
               <a:rPr lang="zh-CN" altLang="en-US" smtClean="0"/>
-              <a:t>‹#›</a:t>
             </a:fld>
             <a:endParaRPr lang="zh-CN" altLang="en-US"/>
           </a:p>
@@ -2393,6 +2422,7 @@
               <a:rPr lang="zh-CN" altLang="en-US"/>
               <a:t>单击此处编辑母版标题样式</a:t>
             </a:r>
+            <a:endParaRPr lang="zh-CN" altLang="en-US"/>
           </a:p>
         </p:txBody>
       </p:sp>
@@ -2426,6 +2456,7 @@
               <a:rPr lang="zh-CN" altLang="en-US"/>
               <a:t>单击此处编辑母版文本样式</a:t>
             </a:r>
+            <a:endParaRPr lang="zh-CN" altLang="en-US"/>
           </a:p>
           <a:p>
             <a:pPr lvl="1"/>
@@ -2433,6 +2464,7 @@
               <a:rPr lang="zh-CN" altLang="en-US"/>
               <a:t>第二级</a:t>
             </a:r>
+            <a:endParaRPr lang="zh-CN" altLang="en-US"/>
           </a:p>
           <a:p>
             <a:pPr lvl="2"/>
@@ -2440,6 +2472,7 @@
               <a:rPr lang="zh-CN" altLang="en-US"/>
               <a:t>第三级</a:t>
             </a:r>
+            <a:endParaRPr lang="zh-CN" altLang="en-US"/>
           </a:p>
           <a:p>
             <a:pPr lvl="3"/>
@@ -2447,6 +2480,7 @@
               <a:rPr lang="zh-CN" altLang="en-US"/>
               <a:t>第四级</a:t>
             </a:r>
+            <a:endParaRPr lang="zh-CN" altLang="en-US"/>
           </a:p>
           <a:p>
             <a:pPr lvl="4"/>
@@ -2454,6 +2488,7 @@
               <a:rPr lang="zh-CN" altLang="en-US"/>
               <a:t>第五级</a:t>
             </a:r>
+            <a:endParaRPr lang="zh-CN" altLang="en-US"/>
           </a:p>
         </p:txBody>
       </p:sp>
@@ -2492,7 +2527,6 @@
           <a:p>
             <a:fld id="{D997B5FA-0921-464F-AAE1-844C04324D75}" type="datetimeFigureOut">
               <a:rPr lang="zh-CN" altLang="en-US" smtClean="0"/>
-              <a:t>2020/12/25</a:t>
             </a:fld>
             <a:endParaRPr lang="zh-CN" altLang="en-US"/>
           </a:p>
@@ -2570,7 +2604,6 @@
           <a:p>
             <a:fld id="{565CE74E-AB26-4998-AD42-012C4C1AD076}" type="slidenum">
               <a:rPr lang="zh-CN" altLang="en-US" smtClean="0"/>
-              <a:t>‹#›</a:t>
             </a:fld>
             <a:endParaRPr lang="zh-CN" altLang="en-US"/>
           </a:p>
@@ -2971,9 +3004,10 @@
           <a:lstStyle/>
           <a:p>
             <a:r>
-              <a:rPr lang="" altLang="zh-CN"/>
+              <a:rPr lang="en-US" altLang="zh-CN"/>
               <a:t>思路</a:t>
             </a:r>
+            <a:endParaRPr lang="en-US" altLang="zh-CN"/>
           </a:p>
         </p:txBody>
       </p:sp>
@@ -2996,30 +3030,35 @@
               <a:rPr lang="zh-CN" altLang="en-US" dirty="0"/>
               <a:t>思路：</a:t>
             </a:r>
+            <a:endParaRPr lang="zh-CN" altLang="en-US" dirty="0"/>
           </a:p>
           <a:p>
             <a:r>
               <a:rPr lang="zh-CN" altLang="en-US" dirty="0"/>
               <a:t>想一想，这个问题可以递推，所以具有最优子结构，是动态规划问题</a:t>
             </a:r>
+            <a:endParaRPr lang="zh-CN" altLang="en-US" dirty="0"/>
           </a:p>
           <a:p>
             <a:r>
               <a:rPr lang="zh-CN" altLang="en-US" dirty="0"/>
               <a:t>状态：数组的长度</a:t>
             </a:r>
+            <a:endParaRPr lang="zh-CN" altLang="en-US" dirty="0"/>
           </a:p>
           <a:p>
             <a:r>
               <a:rPr lang="zh-CN" altLang="en-US" dirty="0"/>
               <a:t>选择：遍历以前所有的最长子序列，更新长度</a:t>
             </a:r>
+            <a:endParaRPr lang="zh-CN" altLang="en-US" dirty="0"/>
           </a:p>
           <a:p>
             <a:r>
               <a:rPr lang="zh-CN" altLang="en-US" dirty="0"/>
               <a:t>定义：dp[i] - 以 index = i 结尾的递增子序列的最大长度</a:t>
             </a:r>
+            <a:endParaRPr lang="zh-CN" altLang="en-US" dirty="0"/>
           </a:p>
           <a:p>
             <a:r>
@@ -3167,6 +3206,7 @@
               <a:rPr lang="en-US" altLang="zh-CN" dirty="0" smtClean="0"/>
               <a:t>(2) = 2</a:t>
             </a:r>
+            <a:endParaRPr lang="en-US" altLang="zh-CN" dirty="0" smtClean="0"/>
           </a:p>
           <a:p>
             <a:pPr marL="0" indent="0">
@@ -3202,6 +3242,7 @@
               <a:rPr lang="en-US" altLang="zh-CN" dirty="0" smtClean="0"/>
               <a:t>2</a:t>
             </a:r>
+            <a:endParaRPr lang="en-US" altLang="zh-CN" dirty="0" smtClean="0"/>
           </a:p>
           <a:p>
             <a:pPr marL="0" indent="0">
@@ -3248,6 +3289,7 @@
               <a:rPr lang="en-US" altLang="zh-CN" dirty="0" smtClean="0"/>
               <a:t>)=2</a:t>
             </a:r>
+            <a:endParaRPr lang="en-US" altLang="zh-CN" dirty="0" smtClean="0"/>
           </a:p>
           <a:p>
             <a:pPr marL="0" indent="0">
@@ -3287,6 +3329,7 @@
               <a:rPr lang="en-US" altLang="zh-CN" dirty="0" smtClean="0"/>
               <a:t>2</a:t>
             </a:r>
+            <a:endParaRPr lang="en-US" altLang="zh-CN" dirty="0" smtClean="0"/>
           </a:p>
           <a:p>
             <a:pPr marL="0" indent="0">
@@ -3329,6 +3372,7 @@
               <a:rPr lang="en-US" altLang="zh-CN" dirty="0" smtClean="0"/>
               <a:t>(2)=4</a:t>
             </a:r>
+            <a:endParaRPr lang="en-US" altLang="zh-CN" dirty="0" smtClean="0"/>
           </a:p>
           <a:p>
             <a:pPr marL="0" indent="0">
@@ -3368,6 +3412,7 @@
               <a:rPr lang="en-US" altLang="zh-CN" dirty="0" smtClean="0"/>
               <a:t>4</a:t>
             </a:r>
+            <a:endParaRPr lang="en-US" altLang="zh-CN" dirty="0" smtClean="0"/>
           </a:p>
           <a:p>
             <a:pPr marL="0" indent="0">
@@ -3454,11 +3499,6 @@
         </p:txBody>
       </p:sp>
     </p:spTree>
-    <p:extLst>
-      <p:ext uri="{BB962C8B-B14F-4D97-AF65-F5344CB8AC3E}">
-        <p14:creationId xmlns:p14="http://schemas.microsoft.com/office/powerpoint/2010/main" val="3275130062"/>
-      </p:ext>
-    </p:extLst>
   </p:cSld>
   <p:clrMapOvr>
     <a:masterClrMapping/>
@@ -3534,11 +3574,6 @@
         </p:txBody>
       </p:sp>
     </p:spTree>
-    <p:extLst>
-      <p:ext uri="{BB962C8B-B14F-4D97-AF65-F5344CB8AC3E}">
-        <p14:creationId xmlns:p14="http://schemas.microsoft.com/office/powerpoint/2010/main" val="3278885426"/>
-      </p:ext>
-    </p:extLst>
   </p:cSld>
   <p:clrMapOvr>
     <a:masterClrMapping/>
@@ -3590,6 +3625,7 @@
               <a:rPr lang="zh-CN" altLang="en-US" dirty="0"/>
               <a:t>贪心</a:t>
             </a:r>
+            <a:endParaRPr lang="zh-CN" altLang="en-US" dirty="0"/>
           </a:p>
         </p:txBody>
       </p:sp>
@@ -3667,11 +3703,6 @@
         </p:txBody>
       </p:sp>
     </p:spTree>
-    <p:extLst>
-      <p:ext uri="{BB962C8B-B14F-4D97-AF65-F5344CB8AC3E}">
-        <p14:creationId xmlns:p14="http://schemas.microsoft.com/office/powerpoint/2010/main" val="346985478"/>
-      </p:ext>
-    </p:extLst>
   </p:cSld>
   <p:clrMapOvr>
     <a:masterClrMapping/>
@@ -3930,8 +3961,6 @@
       </a:bgFillStyleLst>
     </a:fmtScheme>
   </a:themeElements>
-  <a:objectDefaults/>
-  <a:extraClrSchemeLst/>
   <a:extLst>
     <a:ext uri="{05A4C25C-085E-4340-85A3-A5531E510DB2}">
       <thm15:themeFamily xmlns:thm15="http://schemas.microsoft.com/office/thememl/2012/main" name="Office Theme" id="{62F939B6-93AF-4DB8-9C6B-D6C7DFDC589F}" vid="{4A3C46E8-61CC-4603-A589-7422A47A8E4A}"/>
